--- a/야후 파이낸스 데이타 획득하기.pptx
+++ b/야후 파이낸스 데이타 획득하기.pptx
@@ -5,18 +5,20 @@
     <p:sldMasterId id="2147483648" r:id="rId1"/>
   </p:sldMasterIdLst>
   <p:notesMasterIdLst>
-    <p:notesMasterId r:id="rId11"/>
+    <p:notesMasterId r:id="rId13"/>
   </p:notesMasterIdLst>
   <p:sldIdLst>
     <p:sldId id="256" r:id="rId2"/>
-    <p:sldId id="257" r:id="rId3"/>
-    <p:sldId id="258" r:id="rId4"/>
-    <p:sldId id="259" r:id="rId5"/>
-    <p:sldId id="262" r:id="rId6"/>
+    <p:sldId id="267" r:id="rId3"/>
+    <p:sldId id="257" r:id="rId4"/>
+    <p:sldId id="258" r:id="rId5"/>
+    <p:sldId id="259" r:id="rId6"/>
     <p:sldId id="260" r:id="rId7"/>
-    <p:sldId id="261" r:id="rId8"/>
-    <p:sldId id="263" r:id="rId9"/>
-    <p:sldId id="264" r:id="rId10"/>
+    <p:sldId id="262" r:id="rId8"/>
+    <p:sldId id="261" r:id="rId9"/>
+    <p:sldId id="263" r:id="rId10"/>
+    <p:sldId id="264" r:id="rId11"/>
+    <p:sldId id="266" r:id="rId12"/>
   </p:sldIdLst>
   <p:sldSz cx="12192000" cy="6858000"/>
   <p:notesSz cx="6858000" cy="9144000"/>
@@ -205,7 +207,7 @@
           <a:p>
             <a:fld id="{BC68DF13-A761-894B-AC52-7E89F9E6C733}" type="datetimeFigureOut">
               <a:rPr lang="en-US" smtClean="0"/>
-              <a:t>11/24/19</a:t>
+              <a:t>12/1/19</a:t>
             </a:fld>
             <a:endParaRPr lang="en-US"/>
           </a:p>
@@ -538,7 +540,7 @@
           <a:p>
             <a:fld id="{05647296-0276-A142-9378-E8C9838C0131}" type="slidenum">
               <a:rPr lang="en-US" smtClean="0"/>
-              <a:t>4</a:t>
+              <a:t>5</a:t>
             </a:fld>
             <a:endParaRPr lang="en-US"/>
           </a:p>
@@ -622,7 +624,7 @@
           <a:p>
             <a:fld id="{05647296-0276-A142-9378-E8C9838C0131}" type="slidenum">
               <a:rPr lang="en-US" smtClean="0"/>
-              <a:t>5</a:t>
+              <a:t>7</a:t>
             </a:fld>
             <a:endParaRPr lang="en-US"/>
           </a:p>
@@ -772,7 +774,7 @@
           <a:p>
             <a:fld id="{5B3AD1D6-AE87-C841-B3FD-7C9F7FCAE5AE}" type="datetimeFigureOut">
               <a:rPr lang="en-US" smtClean="0"/>
-              <a:t>11/24/19</a:t>
+              <a:t>12/1/19</a:t>
             </a:fld>
             <a:endParaRPr lang="en-US"/>
           </a:p>
@@ -942,7 +944,7 @@
           <a:p>
             <a:fld id="{5B3AD1D6-AE87-C841-B3FD-7C9F7FCAE5AE}" type="datetimeFigureOut">
               <a:rPr lang="en-US" smtClean="0"/>
-              <a:t>11/24/19</a:t>
+              <a:t>12/1/19</a:t>
             </a:fld>
             <a:endParaRPr lang="en-US"/>
           </a:p>
@@ -1122,7 +1124,7 @@
           <a:p>
             <a:fld id="{5B3AD1D6-AE87-C841-B3FD-7C9F7FCAE5AE}" type="datetimeFigureOut">
               <a:rPr lang="en-US" smtClean="0"/>
-              <a:t>11/24/19</a:t>
+              <a:t>12/1/19</a:t>
             </a:fld>
             <a:endParaRPr lang="en-US"/>
           </a:p>
@@ -1292,7 +1294,7 @@
           <a:p>
             <a:fld id="{5B3AD1D6-AE87-C841-B3FD-7C9F7FCAE5AE}" type="datetimeFigureOut">
               <a:rPr lang="en-US" smtClean="0"/>
-              <a:t>11/24/19</a:t>
+              <a:t>12/1/19</a:t>
             </a:fld>
             <a:endParaRPr lang="en-US"/>
           </a:p>
@@ -1538,7 +1540,7 @@
           <a:p>
             <a:fld id="{5B3AD1D6-AE87-C841-B3FD-7C9F7FCAE5AE}" type="datetimeFigureOut">
               <a:rPr lang="en-US" smtClean="0"/>
-              <a:t>11/24/19</a:t>
+              <a:t>12/1/19</a:t>
             </a:fld>
             <a:endParaRPr lang="en-US"/>
           </a:p>
@@ -1770,7 +1772,7 @@
           <a:p>
             <a:fld id="{5B3AD1D6-AE87-C841-B3FD-7C9F7FCAE5AE}" type="datetimeFigureOut">
               <a:rPr lang="en-US" smtClean="0"/>
-              <a:t>11/24/19</a:t>
+              <a:t>12/1/19</a:t>
             </a:fld>
             <a:endParaRPr lang="en-US"/>
           </a:p>
@@ -2137,7 +2139,7 @@
           <a:p>
             <a:fld id="{5B3AD1D6-AE87-C841-B3FD-7C9F7FCAE5AE}" type="datetimeFigureOut">
               <a:rPr lang="en-US" smtClean="0"/>
-              <a:t>11/24/19</a:t>
+              <a:t>12/1/19</a:t>
             </a:fld>
             <a:endParaRPr lang="en-US"/>
           </a:p>
@@ -2255,7 +2257,7 @@
           <a:p>
             <a:fld id="{5B3AD1D6-AE87-C841-B3FD-7C9F7FCAE5AE}" type="datetimeFigureOut">
               <a:rPr lang="en-US" smtClean="0"/>
-              <a:t>11/24/19</a:t>
+              <a:t>12/1/19</a:t>
             </a:fld>
             <a:endParaRPr lang="en-US"/>
           </a:p>
@@ -2350,7 +2352,7 @@
           <a:p>
             <a:fld id="{5B3AD1D6-AE87-C841-B3FD-7C9F7FCAE5AE}" type="datetimeFigureOut">
               <a:rPr lang="en-US" smtClean="0"/>
-              <a:t>11/24/19</a:t>
+              <a:t>12/1/19</a:t>
             </a:fld>
             <a:endParaRPr lang="en-US"/>
           </a:p>
@@ -2627,7 +2629,7 @@
           <a:p>
             <a:fld id="{5B3AD1D6-AE87-C841-B3FD-7C9F7FCAE5AE}" type="datetimeFigureOut">
               <a:rPr lang="en-US" smtClean="0"/>
-              <a:t>11/24/19</a:t>
+              <a:t>12/1/19</a:t>
             </a:fld>
             <a:endParaRPr lang="en-US"/>
           </a:p>
@@ -2880,7 +2882,7 @@
           <a:p>
             <a:fld id="{5B3AD1D6-AE87-C841-B3FD-7C9F7FCAE5AE}" type="datetimeFigureOut">
               <a:rPr lang="en-US" smtClean="0"/>
-              <a:t>11/24/19</a:t>
+              <a:t>12/1/19</a:t>
             </a:fld>
             <a:endParaRPr lang="en-US"/>
           </a:p>
@@ -3093,7 +3095,7 @@
           <a:p>
             <a:fld id="{5B3AD1D6-AE87-C841-B3FD-7C9F7FCAE5AE}" type="datetimeFigureOut">
               <a:rPr lang="en-US" smtClean="0"/>
-              <a:t>11/24/19</a:t>
+              <a:t>12/1/19</a:t>
             </a:fld>
             <a:endParaRPr lang="en-US"/>
           </a:p>
@@ -3752,7 +3754,7 @@
       </p:sp>
       <p:pic>
         <p:nvPicPr>
-          <p:cNvPr id="4" name="Picture 3"/>
+          <p:cNvPr id="5" name="Picture 4"/>
           <p:cNvPicPr>
             <a:picLocks noChangeAspect="1"/>
           </p:cNvPicPr>
@@ -3772,8 +3774,8 @@
         </p:blipFill>
         <p:spPr>
           <a:xfrm>
-            <a:off x="88384" y="5413865"/>
-            <a:ext cx="1298768" cy="1288853"/>
+            <a:off x="3137836" y="3044717"/>
+            <a:ext cx="6753726" cy="2439559"/>
           </a:xfrm>
           <a:prstGeom prst="rect">
             <a:avLst/>
@@ -3782,7 +3784,7 @@
       </p:pic>
       <p:pic>
         <p:nvPicPr>
-          <p:cNvPr id="5" name="Picture 4"/>
+          <p:cNvPr id="6" name="Picture 5"/>
           <p:cNvPicPr>
             <a:picLocks noChangeAspect="1"/>
           </p:cNvPicPr>
@@ -3802,8 +3804,8 @@
         </p:blipFill>
         <p:spPr>
           <a:xfrm>
-            <a:off x="2171700" y="3083218"/>
-            <a:ext cx="10020300" cy="3619500"/>
+            <a:off x="140637" y="6014354"/>
+            <a:ext cx="3505200" cy="767664"/>
           </a:xfrm>
           <a:prstGeom prst="rect">
             <a:avLst/>
@@ -3814,6 +3816,194 @@
     <p:extLst>
       <p:ext uri="{BB962C8B-B14F-4D97-AF65-F5344CB8AC3E}">
         <p14:creationId xmlns:p14="http://schemas.microsoft.com/office/powerpoint/2010/main" val="2115918036"/>
+      </p:ext>
+    </p:extLst>
+  </p:cSld>
+  <p:clrMapOvr>
+    <a:masterClrMapping/>
+  </p:clrMapOvr>
+  <p:timing>
+    <p:tnLst>
+      <p:par>
+        <p:cTn id="1" dur="indefinite" restart="never" nodeType="tmRoot"/>
+      </p:par>
+    </p:tnLst>
+  </p:timing>
+</p:sld>
+</file>
+
+<file path=ppt/slides/slide10.xml><?xml version="1.0" encoding="utf-8"?>
+<p:sld xmlns:a="http://schemas.openxmlformats.org/drawingml/2006/main" xmlns:r="http://schemas.openxmlformats.org/officeDocument/2006/relationships" xmlns:p="http://schemas.openxmlformats.org/presentationml/2006/main">
+  <p:cSld>
+    <p:spTree>
+      <p:nvGrpSpPr>
+        <p:cNvPr id="1" name=""/>
+        <p:cNvGrpSpPr/>
+        <p:nvPr/>
+      </p:nvGrpSpPr>
+      <p:grpSpPr>
+        <a:xfrm>
+          <a:off x="0" y="0"/>
+          <a:ext cx="0" cy="0"/>
+          <a:chOff x="0" y="0"/>
+          <a:chExt cx="0" cy="0"/>
+        </a:xfrm>
+      </p:grpSpPr>
+      <p:sp>
+        <p:nvSpPr>
+          <p:cNvPr id="2" name="Title 1"/>
+          <p:cNvSpPr>
+            <a:spLocks noGrp="1"/>
+          </p:cNvSpPr>
+          <p:nvPr>
+            <p:ph type="title"/>
+          </p:nvPr>
+        </p:nvSpPr>
+        <p:spPr/>
+        <p:txBody>
+          <a:bodyPr/>
+          <a:lstStyle/>
+          <a:p>
+            <a:r>
+              <a:rPr lang="en-US" dirty="0">
+                <a:latin typeface="Arial Black" charset="0"/>
+                <a:ea typeface="Arial Black" charset="0"/>
+                <a:cs typeface="Arial Black" charset="0"/>
+              </a:rPr>
+              <a:t>yfinance</a:t>
+            </a:r>
+          </a:p>
+        </p:txBody>
+      </p:sp>
+      <p:pic>
+        <p:nvPicPr>
+          <p:cNvPr id="3" name="Picture 2"/>
+          <p:cNvPicPr>
+            <a:picLocks noChangeAspect="1"/>
+          </p:cNvPicPr>
+          <p:nvPr/>
+        </p:nvPicPr>
+        <p:blipFill>
+          <a:blip r:embed="rId2">
+            <a:extLst>
+              <a:ext uri="{28A0092B-C50C-407E-A947-70E740481C1C}">
+                <a14:useLocalDpi xmlns:a14="http://schemas.microsoft.com/office/drawing/2010/main" val="0"/>
+              </a:ext>
+            </a:extLst>
+          </a:blip>
+          <a:stretch>
+            <a:fillRect/>
+          </a:stretch>
+        </p:blipFill>
+        <p:spPr>
+          <a:xfrm>
+            <a:off x="2435711" y="1351127"/>
+            <a:ext cx="7320577" cy="5315803"/>
+          </a:xfrm>
+          <a:prstGeom prst="rect">
+            <a:avLst/>
+          </a:prstGeom>
+        </p:spPr>
+      </p:pic>
+    </p:spTree>
+    <p:extLst>
+      <p:ext uri="{BB962C8B-B14F-4D97-AF65-F5344CB8AC3E}">
+        <p14:creationId xmlns:p14="http://schemas.microsoft.com/office/powerpoint/2010/main" val="790211690"/>
+      </p:ext>
+    </p:extLst>
+  </p:cSld>
+  <p:clrMapOvr>
+    <a:masterClrMapping/>
+  </p:clrMapOvr>
+  <p:timing>
+    <p:tnLst>
+      <p:par>
+        <p:cTn id="1" dur="indefinite" restart="never" nodeType="tmRoot"/>
+      </p:par>
+    </p:tnLst>
+  </p:timing>
+</p:sld>
+</file>
+
+<file path=ppt/slides/slide11.xml><?xml version="1.0" encoding="utf-8"?>
+<p:sld xmlns:a="http://schemas.openxmlformats.org/drawingml/2006/main" xmlns:r="http://schemas.openxmlformats.org/officeDocument/2006/relationships" xmlns:p="http://schemas.openxmlformats.org/presentationml/2006/main">
+  <p:cSld>
+    <p:spTree>
+      <p:nvGrpSpPr>
+        <p:cNvPr id="1" name=""/>
+        <p:cNvGrpSpPr/>
+        <p:nvPr/>
+      </p:nvGrpSpPr>
+      <p:grpSpPr>
+        <a:xfrm>
+          <a:off x="0" y="0"/>
+          <a:ext cx="0" cy="0"/>
+          <a:chOff x="0" y="0"/>
+          <a:chExt cx="0" cy="0"/>
+        </a:xfrm>
+      </p:grpSpPr>
+      <p:sp>
+        <p:nvSpPr>
+          <p:cNvPr id="3" name="TextBox 2"/>
+          <p:cNvSpPr txBox="1"/>
+          <p:nvPr/>
+        </p:nvSpPr>
+        <p:spPr>
+          <a:xfrm>
+            <a:off x="1883799" y="1640911"/>
+            <a:ext cx="8754321" cy="2862322"/>
+          </a:xfrm>
+          <a:prstGeom prst="rect">
+            <a:avLst/>
+          </a:prstGeom>
+          <a:noFill/>
+        </p:spPr>
+        <p:txBody>
+          <a:bodyPr wrap="none" rtlCol="0">
+            <a:spAutoFit/>
+          </a:bodyPr>
+          <a:lstStyle/>
+          <a:p>
+            <a:pPr algn="ctr"/>
+            <a:r>
+              <a:rPr lang="en-US" sz="6000" dirty="0" smtClean="0">
+                <a:latin typeface="Arial Black" charset="0"/>
+                <a:ea typeface="Arial Black" charset="0"/>
+                <a:cs typeface="Arial Black" charset="0"/>
+              </a:rPr>
+              <a:t>Now</a:t>
+            </a:r>
+          </a:p>
+          <a:p>
+            <a:pPr algn="ctr"/>
+            <a:endParaRPr lang="en-US" sz="6000" dirty="0">
+              <a:latin typeface="Arial Black" charset="0"/>
+              <a:ea typeface="Arial Black" charset="0"/>
+              <a:cs typeface="Arial Black" charset="0"/>
+            </a:endParaRPr>
+          </a:p>
+          <a:p>
+            <a:pPr algn="ctr"/>
+            <a:r>
+              <a:rPr lang="en-US" sz="6000" dirty="0" smtClean="0">
+                <a:latin typeface="Arial Black" charset="0"/>
+                <a:ea typeface="Arial Black" charset="0"/>
+                <a:cs typeface="Arial Black" charset="0"/>
+              </a:rPr>
+              <a:t>Let’s Play with Code</a:t>
+            </a:r>
+            <a:endParaRPr lang="en-US" sz="6000" dirty="0">
+              <a:latin typeface="Arial Black" charset="0"/>
+              <a:ea typeface="Arial Black" charset="0"/>
+              <a:cs typeface="Arial Black" charset="0"/>
+            </a:endParaRPr>
+          </a:p>
+        </p:txBody>
+      </p:sp>
+    </p:spTree>
+    <p:extLst>
+      <p:ext uri="{BB962C8B-B14F-4D97-AF65-F5344CB8AC3E}">
+        <p14:creationId xmlns:p14="http://schemas.microsoft.com/office/powerpoint/2010/main" val="455859263"/>
       </p:ext>
     </p:extLst>
   </p:cSld>
@@ -3859,49 +4049,6 @@
         </p:nvSpPr>
         <p:spPr/>
         <p:txBody>
-          <a:bodyPr/>
-          <a:lstStyle/>
-          <a:p>
-            <a:r>
-              <a:rPr lang="en-US" dirty="0">
-                <a:latin typeface="Arial Black" charset="0"/>
-                <a:ea typeface="Arial Black" charset="0"/>
-                <a:cs typeface="Arial Black" charset="0"/>
-              </a:rPr>
-              <a:t>How to get </a:t>
-            </a:r>
-            <a:r>
-              <a:rPr lang="en-US" dirty="0" smtClean="0">
-                <a:latin typeface="Arial Black" charset="0"/>
-                <a:ea typeface="Arial Black" charset="0"/>
-                <a:cs typeface="Arial Black" charset="0"/>
-              </a:rPr>
-              <a:t>Yahoo </a:t>
-            </a:r>
-            <a:r>
-              <a:rPr lang="en-US" dirty="0">
-                <a:latin typeface="Arial Black" charset="0"/>
-                <a:ea typeface="Arial Black" charset="0"/>
-                <a:cs typeface="Arial Black" charset="0"/>
-              </a:rPr>
-              <a:t>Finance Data</a:t>
-            </a:r>
-            <a:endParaRPr lang="en-US" dirty="0"/>
-          </a:p>
-        </p:txBody>
-      </p:sp>
-      <p:sp>
-        <p:nvSpPr>
-          <p:cNvPr id="3" name="Content Placeholder 2"/>
-          <p:cNvSpPr>
-            <a:spLocks noGrp="1"/>
-          </p:cNvSpPr>
-          <p:nvPr>
-            <p:ph idx="1"/>
-          </p:nvPr>
-        </p:nvSpPr>
-        <p:spPr/>
-        <p:txBody>
           <a:bodyPr>
             <a:normAutofit/>
           </a:bodyPr>
@@ -3913,76 +4060,171 @@
                 <a:ea typeface="Arial Black" charset="0"/>
                 <a:cs typeface="Arial Black" charset="0"/>
               </a:rPr>
-              <a:t>pandas_datareader</a:t>
-            </a:r>
-          </a:p>
-          <a:p>
+              <a:t>Reference</a:t>
+            </a:r>
             <a:endParaRPr lang="en-US" sz="4000" dirty="0">
               <a:latin typeface="Arial Black" charset="0"/>
               <a:ea typeface="Arial Black" charset="0"/>
               <a:cs typeface="Arial Black" charset="0"/>
             </a:endParaRPr>
           </a:p>
-          <a:p>
-            <a:r>
-              <a:rPr lang="en-US" sz="4000" dirty="0" smtClean="0">
+        </p:txBody>
+      </p:sp>
+      <p:sp>
+        <p:nvSpPr>
+          <p:cNvPr id="3" name="Content Placeholder 2"/>
+          <p:cNvSpPr>
+            <a:spLocks noGrp="1"/>
+          </p:cNvSpPr>
+          <p:nvPr>
+            <p:ph idx="1"/>
+          </p:nvPr>
+        </p:nvSpPr>
+        <p:spPr/>
+        <p:txBody>
+          <a:bodyPr/>
+          <a:lstStyle/>
+          <a:p>
+            <a:r>
+              <a:rPr lang="en-US" sz="2000" dirty="0" smtClean="0">
                 <a:latin typeface="Arial Black" charset="0"/>
                 <a:ea typeface="Arial Black" charset="0"/>
                 <a:cs typeface="Arial Black" charset="0"/>
+                <a:hlinkClick r:id="rId2"/>
               </a:rPr>
-              <a:t>yfinance </a:t>
-            </a:r>
-            <a:r>
-              <a:rPr lang="en-US" sz="4000" dirty="0">
-                <a:latin typeface="Arial Black" charset="0"/>
-                <a:ea typeface="Arial Black" charset="0"/>
-                <a:cs typeface="Arial Black" charset="0"/>
-              </a:rPr>
-              <a:t>+ </a:t>
-            </a:r>
-            <a:r>
-              <a:rPr lang="en-US" sz="4000" dirty="0" smtClean="0">
-                <a:latin typeface="Arial Black" charset="0"/>
-                <a:ea typeface="Arial Black" charset="0"/>
-                <a:cs typeface="Arial Black" charset="0"/>
-              </a:rPr>
-              <a:t>pandas_datareader</a:t>
-            </a:r>
-          </a:p>
-          <a:p>
-            <a:endParaRPr lang="en-US" sz="4000" dirty="0">
+              <a:t>Python for Finance (O'Reilly)</a:t>
+            </a:r>
+            <a:endParaRPr lang="en-US" sz="2000" dirty="0" smtClean="0">
               <a:latin typeface="Arial Black" charset="0"/>
               <a:ea typeface="Arial Black" charset="0"/>
               <a:cs typeface="Arial Black" charset="0"/>
             </a:endParaRPr>
           </a:p>
           <a:p>
-            <a:r>
-              <a:rPr lang="en-US" sz="4000" dirty="0" smtClean="0">
-                <a:latin typeface="Arial Black" charset="0"/>
-                <a:ea typeface="Arial Black" charset="0"/>
-                <a:cs typeface="Arial Black" charset="0"/>
-              </a:rPr>
-              <a:t>yfinance</a:t>
-            </a:r>
-            <a:endParaRPr lang="en-US" sz="4000" dirty="0">
+            <a:endParaRPr lang="en-US" sz="2000" dirty="0">
               <a:latin typeface="Arial Black" charset="0"/>
               <a:ea typeface="Arial Black" charset="0"/>
               <a:cs typeface="Arial Black" charset="0"/>
             </a:endParaRPr>
           </a:p>
-        </p:txBody>
-      </p:sp>
+          <a:p>
+            <a:r>
+              <a:rPr lang="en-US" sz="2000" dirty="0" smtClean="0">
+                <a:latin typeface="Arial Black" charset="0"/>
+                <a:ea typeface="Arial Black" charset="0"/>
+                <a:cs typeface="Arial Black" charset="0"/>
+                <a:hlinkClick r:id="rId3"/>
+              </a:rPr>
+              <a:t>yfinance</a:t>
+            </a:r>
+            <a:endParaRPr lang="en-US" sz="2000" dirty="0" smtClean="0">
+              <a:latin typeface="Arial Black" charset="0"/>
+              <a:ea typeface="Arial Black" charset="0"/>
+              <a:cs typeface="Arial Black" charset="0"/>
+            </a:endParaRPr>
+          </a:p>
+          <a:p>
+            <a:endParaRPr lang="en-US" sz="2000" dirty="0" smtClean="0">
+              <a:latin typeface="Arial Black" charset="0"/>
+              <a:ea typeface="Arial Black" charset="0"/>
+              <a:cs typeface="Arial Black" charset="0"/>
+            </a:endParaRPr>
+          </a:p>
+          <a:p>
+            <a:r>
+              <a:rPr lang="en-US" sz="2000" dirty="0" smtClean="0">
+                <a:latin typeface="Arial Black" charset="0"/>
+                <a:ea typeface="Arial Black" charset="0"/>
+                <a:cs typeface="Arial Black" charset="0"/>
+                <a:hlinkClick r:id="rId4"/>
+              </a:rPr>
+              <a:t>Youtube</a:t>
+            </a:r>
+            <a:endParaRPr lang="en-US" sz="2000" dirty="0" smtClean="0">
+              <a:latin typeface="Arial Black" charset="0"/>
+              <a:ea typeface="Arial Black" charset="0"/>
+              <a:cs typeface="Arial Black" charset="0"/>
+            </a:endParaRPr>
+          </a:p>
+          <a:p>
+            <a:endParaRPr lang="en-US" sz="2000" dirty="0">
+              <a:latin typeface="Arial Black" charset="0"/>
+              <a:ea typeface="Arial Black" charset="0"/>
+              <a:cs typeface="Arial Black" charset="0"/>
+            </a:endParaRPr>
+          </a:p>
+          <a:p>
+            <a:r>
+              <a:rPr lang="en-US" sz="2000">
+                <a:latin typeface="Arial Black" charset="0"/>
+                <a:ea typeface="Arial Black" charset="0"/>
+                <a:cs typeface="Arial Black" charset="0"/>
+                <a:hlinkClick r:id="rId5"/>
+              </a:rPr>
+              <a:t>Code</a:t>
+            </a:r>
+            <a:endParaRPr lang="en-US" sz="2000">
+              <a:latin typeface="Arial Black" charset="0"/>
+              <a:ea typeface="Arial Black" charset="0"/>
+              <a:cs typeface="Arial Black" charset="0"/>
+            </a:endParaRPr>
+          </a:p>
+          <a:p>
+            <a:endParaRPr lang="en-US" sz="2000" dirty="0">
+              <a:latin typeface="Arial Black" charset="0"/>
+              <a:ea typeface="Arial Black" charset="0"/>
+              <a:cs typeface="Arial Black" charset="0"/>
+            </a:endParaRPr>
+          </a:p>
+        </p:txBody>
+      </p:sp>
+      <p:pic>
+        <p:nvPicPr>
+          <p:cNvPr id="4" name="Picture 3"/>
+          <p:cNvPicPr>
+            <a:picLocks noChangeAspect="1"/>
+          </p:cNvPicPr>
+          <p:nvPr/>
+        </p:nvPicPr>
+        <p:blipFill>
+          <a:blip r:embed="rId6">
+            <a:extLst>
+              <a:ext uri="{28A0092B-C50C-407E-A947-70E740481C1C}">
+                <a14:useLocalDpi xmlns:a14="http://schemas.microsoft.com/office/drawing/2010/main" val="0"/>
+              </a:ext>
+            </a:extLst>
+          </a:blip>
+          <a:stretch>
+            <a:fillRect/>
+          </a:stretch>
+        </p:blipFill>
+        <p:spPr>
+          <a:xfrm>
+            <a:off x="6666364" y="170822"/>
+            <a:ext cx="5415104" cy="6687178"/>
+          </a:xfrm>
+          <a:prstGeom prst="rect">
+            <a:avLst/>
+          </a:prstGeom>
+        </p:spPr>
+      </p:pic>
     </p:spTree>
     <p:extLst>
       <p:ext uri="{BB962C8B-B14F-4D97-AF65-F5344CB8AC3E}">
-        <p14:creationId xmlns:p14="http://schemas.microsoft.com/office/powerpoint/2010/main" val="1463139574"/>
+        <p14:creationId xmlns:p14="http://schemas.microsoft.com/office/powerpoint/2010/main" val="38646171"/>
       </p:ext>
     </p:extLst>
   </p:cSld>
   <p:clrMapOvr>
     <a:masterClrMapping/>
   </p:clrMapOvr>
+  <p:timing>
+    <p:tnLst>
+      <p:par>
+        <p:cTn id="1" dur="indefinite" restart="never" nodeType="tmRoot"/>
+      </p:par>
+    </p:tnLst>
+  </p:timing>
 </p:sld>
 </file>
 
@@ -4019,6 +4261,169 @@
           <a:lstStyle/>
           <a:p>
             <a:r>
+              <a:rPr lang="en-US" dirty="0">
+                <a:latin typeface="Arial Black" charset="0"/>
+                <a:ea typeface="Arial Black" charset="0"/>
+                <a:cs typeface="Arial Black" charset="0"/>
+              </a:rPr>
+              <a:t>How to get </a:t>
+            </a:r>
+            <a:r>
+              <a:rPr lang="en-US" dirty="0" smtClean="0">
+                <a:latin typeface="Arial Black" charset="0"/>
+                <a:ea typeface="Arial Black" charset="0"/>
+                <a:cs typeface="Arial Black" charset="0"/>
+              </a:rPr>
+              <a:t>Yahoo </a:t>
+            </a:r>
+            <a:r>
+              <a:rPr lang="en-US" dirty="0">
+                <a:latin typeface="Arial Black" charset="0"/>
+                <a:ea typeface="Arial Black" charset="0"/>
+                <a:cs typeface="Arial Black" charset="0"/>
+              </a:rPr>
+              <a:t>Finance Data</a:t>
+            </a:r>
+            <a:endParaRPr lang="en-US" dirty="0"/>
+          </a:p>
+        </p:txBody>
+      </p:sp>
+      <p:sp>
+        <p:nvSpPr>
+          <p:cNvPr id="3" name="Content Placeholder 2"/>
+          <p:cNvSpPr>
+            <a:spLocks noGrp="1"/>
+          </p:cNvSpPr>
+          <p:nvPr>
+            <p:ph idx="1"/>
+          </p:nvPr>
+        </p:nvSpPr>
+        <p:spPr/>
+        <p:txBody>
+          <a:bodyPr>
+            <a:normAutofit/>
+          </a:bodyPr>
+          <a:lstStyle/>
+          <a:p>
+            <a:r>
+              <a:rPr lang="en-US" sz="4000" dirty="0" smtClean="0">
+                <a:latin typeface="Arial Black" charset="0"/>
+                <a:ea typeface="Arial Black" charset="0"/>
+                <a:cs typeface="Arial Black" charset="0"/>
+              </a:rPr>
+              <a:t>pandas_datareader</a:t>
+            </a:r>
+          </a:p>
+          <a:p>
+            <a:endParaRPr lang="en-US" sz="4000" dirty="0">
+              <a:latin typeface="Arial Black" charset="0"/>
+              <a:ea typeface="Arial Black" charset="0"/>
+              <a:cs typeface="Arial Black" charset="0"/>
+            </a:endParaRPr>
+          </a:p>
+          <a:p>
+            <a:r>
+              <a:rPr lang="en-US" sz="4000" dirty="0" smtClean="0">
+                <a:latin typeface="Arial Black" charset="0"/>
+                <a:ea typeface="Arial Black" charset="0"/>
+                <a:cs typeface="Arial Black" charset="0"/>
+              </a:rPr>
+              <a:t>yfinance </a:t>
+            </a:r>
+            <a:r>
+              <a:rPr lang="en-US" sz="4000" dirty="0">
+                <a:latin typeface="Arial Black" charset="0"/>
+                <a:ea typeface="Arial Black" charset="0"/>
+                <a:cs typeface="Arial Black" charset="0"/>
+              </a:rPr>
+              <a:t>+ </a:t>
+            </a:r>
+            <a:r>
+              <a:rPr lang="en-US" sz="4000" dirty="0" smtClean="0">
+                <a:latin typeface="Arial Black" charset="0"/>
+                <a:ea typeface="Arial Black" charset="0"/>
+                <a:cs typeface="Arial Black" charset="0"/>
+              </a:rPr>
+              <a:t>pandas_datareader</a:t>
+            </a:r>
+          </a:p>
+          <a:p>
+            <a:endParaRPr lang="en-US" sz="4000" dirty="0">
+              <a:latin typeface="Arial Black" charset="0"/>
+              <a:ea typeface="Arial Black" charset="0"/>
+              <a:cs typeface="Arial Black" charset="0"/>
+            </a:endParaRPr>
+          </a:p>
+          <a:p>
+            <a:r>
+              <a:rPr lang="en-US" sz="4000" dirty="0" smtClean="0">
+                <a:latin typeface="Arial Black" charset="0"/>
+                <a:ea typeface="Arial Black" charset="0"/>
+                <a:cs typeface="Arial Black" charset="0"/>
+              </a:rPr>
+              <a:t>yfinance</a:t>
+            </a:r>
+            <a:endParaRPr lang="en-US" sz="4000" dirty="0">
+              <a:latin typeface="Arial Black" charset="0"/>
+              <a:ea typeface="Arial Black" charset="0"/>
+              <a:cs typeface="Arial Black" charset="0"/>
+            </a:endParaRPr>
+          </a:p>
+        </p:txBody>
+      </p:sp>
+    </p:spTree>
+    <p:extLst>
+      <p:ext uri="{BB962C8B-B14F-4D97-AF65-F5344CB8AC3E}">
+        <p14:creationId xmlns:p14="http://schemas.microsoft.com/office/powerpoint/2010/main" val="1463139574"/>
+      </p:ext>
+    </p:extLst>
+  </p:cSld>
+  <p:clrMapOvr>
+    <a:masterClrMapping/>
+  </p:clrMapOvr>
+  <p:timing>
+    <p:tnLst>
+      <p:par>
+        <p:cTn id="1" dur="indefinite" restart="never" nodeType="tmRoot"/>
+      </p:par>
+    </p:tnLst>
+  </p:timing>
+</p:sld>
+</file>
+
+<file path=ppt/slides/slide4.xml><?xml version="1.0" encoding="utf-8"?>
+<p:sld xmlns:a="http://schemas.openxmlformats.org/drawingml/2006/main" xmlns:r="http://schemas.openxmlformats.org/officeDocument/2006/relationships" xmlns:p="http://schemas.openxmlformats.org/presentationml/2006/main">
+  <p:cSld>
+    <p:spTree>
+      <p:nvGrpSpPr>
+        <p:cNvPr id="1" name=""/>
+        <p:cNvGrpSpPr/>
+        <p:nvPr/>
+      </p:nvGrpSpPr>
+      <p:grpSpPr>
+        <a:xfrm>
+          <a:off x="0" y="0"/>
+          <a:ext cx="0" cy="0"/>
+          <a:chOff x="0" y="0"/>
+          <a:chExt cx="0" cy="0"/>
+        </a:xfrm>
+      </p:grpSpPr>
+      <p:sp>
+        <p:nvSpPr>
+          <p:cNvPr id="2" name="Title 1"/>
+          <p:cNvSpPr>
+            <a:spLocks noGrp="1"/>
+          </p:cNvSpPr>
+          <p:nvPr>
+            <p:ph type="title"/>
+          </p:nvPr>
+        </p:nvSpPr>
+        <p:spPr/>
+        <p:txBody>
+          <a:bodyPr/>
+          <a:lstStyle/>
+          <a:p>
+            <a:r>
               <a:rPr lang="en-US" dirty="0" smtClean="0">
                 <a:latin typeface="Arial Black" charset="0"/>
                 <a:ea typeface="Arial Black" charset="0"/>
@@ -4032,7 +4437,7 @@
       </p:sp>
       <p:pic>
         <p:nvPicPr>
-          <p:cNvPr id="5" name="Picture 4"/>
+          <p:cNvPr id="3" name="Picture 2"/>
           <p:cNvPicPr>
             <a:picLocks noChangeAspect="1"/>
           </p:cNvPicPr>
@@ -4052,8 +4457,8 @@
         </p:blipFill>
         <p:spPr>
           <a:xfrm>
-            <a:off x="2520950" y="1690688"/>
-            <a:ext cx="7150100" cy="5080000"/>
+            <a:off x="3613150" y="2644007"/>
+            <a:ext cx="4965700" cy="2032000"/>
           </a:xfrm>
           <a:prstGeom prst="rect">
             <a:avLst/>
@@ -4070,10 +4475,17 @@
   <p:clrMapOvr>
     <a:masterClrMapping/>
   </p:clrMapOvr>
+  <p:timing>
+    <p:tnLst>
+      <p:par>
+        <p:cTn id="1" dur="indefinite" restart="never" nodeType="tmRoot"/>
+      </p:par>
+    </p:tnLst>
+  </p:timing>
 </p:sld>
 </file>
 
-<file path=ppt/slides/slide4.xml><?xml version="1.0" encoding="utf-8"?>
+<file path=ppt/slides/slide5.xml><?xml version="1.0" encoding="utf-8"?>
 <p:sld xmlns:a="http://schemas.openxmlformats.org/drawingml/2006/main" xmlns:r="http://schemas.openxmlformats.org/officeDocument/2006/relationships" xmlns:p="http://schemas.openxmlformats.org/presentationml/2006/main">
   <p:cSld>
     <p:spTree>
@@ -4157,10 +4569,110 @@
   <p:clrMapOvr>
     <a:masterClrMapping/>
   </p:clrMapOvr>
+  <p:timing>
+    <p:tnLst>
+      <p:par>
+        <p:cTn id="1" dur="indefinite" restart="never" nodeType="tmRoot"/>
+      </p:par>
+    </p:tnLst>
+  </p:timing>
 </p:sld>
 </file>
 
-<file path=ppt/slides/slide5.xml><?xml version="1.0" encoding="utf-8"?>
+<file path=ppt/slides/slide6.xml><?xml version="1.0" encoding="utf-8"?>
+<p:sld xmlns:a="http://schemas.openxmlformats.org/drawingml/2006/main" xmlns:r="http://schemas.openxmlformats.org/officeDocument/2006/relationships" xmlns:p="http://schemas.openxmlformats.org/presentationml/2006/main">
+  <p:cSld>
+    <p:spTree>
+      <p:nvGrpSpPr>
+        <p:cNvPr id="1" name=""/>
+        <p:cNvGrpSpPr/>
+        <p:nvPr/>
+      </p:nvGrpSpPr>
+      <p:grpSpPr>
+        <a:xfrm>
+          <a:off x="0" y="0"/>
+          <a:ext cx="0" cy="0"/>
+          <a:chOff x="0" y="0"/>
+          <a:chExt cx="0" cy="0"/>
+        </a:xfrm>
+      </p:grpSpPr>
+      <p:sp>
+        <p:nvSpPr>
+          <p:cNvPr id="2" name="Title 1"/>
+          <p:cNvSpPr>
+            <a:spLocks noGrp="1"/>
+          </p:cNvSpPr>
+          <p:nvPr>
+            <p:ph type="title"/>
+          </p:nvPr>
+        </p:nvSpPr>
+        <p:spPr/>
+        <p:txBody>
+          <a:bodyPr/>
+          <a:lstStyle/>
+          <a:p>
+            <a:r>
+              <a:rPr lang="en-US" dirty="0">
+                <a:latin typeface="Arial Black" charset="0"/>
+                <a:ea typeface="Arial Black" charset="0"/>
+                <a:cs typeface="Arial Black" charset="0"/>
+              </a:rPr>
+              <a:t>yfinance</a:t>
+            </a:r>
+          </a:p>
+        </p:txBody>
+      </p:sp>
+      <p:pic>
+        <p:nvPicPr>
+          <p:cNvPr id="3" name="Picture 2"/>
+          <p:cNvPicPr>
+            <a:picLocks noChangeAspect="1"/>
+          </p:cNvPicPr>
+          <p:nvPr/>
+        </p:nvPicPr>
+        <p:blipFill>
+          <a:blip r:embed="rId2">
+            <a:extLst>
+              <a:ext uri="{28A0092B-C50C-407E-A947-70E740481C1C}">
+                <a14:useLocalDpi xmlns:a14="http://schemas.microsoft.com/office/drawing/2010/main" val="0"/>
+              </a:ext>
+            </a:extLst>
+          </a:blip>
+          <a:stretch>
+            <a:fillRect/>
+          </a:stretch>
+        </p:blipFill>
+        <p:spPr>
+          <a:xfrm>
+            <a:off x="4973092" y="246987"/>
+            <a:ext cx="5384800" cy="6515100"/>
+          </a:xfrm>
+          <a:prstGeom prst="rect">
+            <a:avLst/>
+          </a:prstGeom>
+        </p:spPr>
+      </p:pic>
+    </p:spTree>
+    <p:extLst>
+      <p:ext uri="{BB962C8B-B14F-4D97-AF65-F5344CB8AC3E}">
+        <p14:creationId xmlns:p14="http://schemas.microsoft.com/office/powerpoint/2010/main" val="2021147639"/>
+      </p:ext>
+    </p:extLst>
+  </p:cSld>
+  <p:clrMapOvr>
+    <a:masterClrMapping/>
+  </p:clrMapOvr>
+  <p:timing>
+    <p:tnLst>
+      <p:par>
+        <p:cTn id="1" dur="indefinite" restart="never" nodeType="tmRoot"/>
+      </p:par>
+    </p:tnLst>
+  </p:timing>
+</p:sld>
+</file>
+
+<file path=ppt/slides/slide7.xml><?xml version="1.0" encoding="utf-8"?>
 <p:sld xmlns:a="http://schemas.openxmlformats.org/drawingml/2006/main" xmlns:r="http://schemas.openxmlformats.org/officeDocument/2006/relationships" xmlns:p="http://schemas.openxmlformats.org/presentationml/2006/main">
   <p:cSld>
     <p:spTree>
@@ -4243,96 +4755,17 @@
   <p:clrMapOvr>
     <a:masterClrMapping/>
   </p:clrMapOvr>
+  <p:timing>
+    <p:tnLst>
+      <p:par>
+        <p:cTn id="1" dur="indefinite" restart="never" nodeType="tmRoot"/>
+      </p:par>
+    </p:tnLst>
+  </p:timing>
 </p:sld>
 </file>
 
-<file path=ppt/slides/slide6.xml><?xml version="1.0" encoding="utf-8"?>
-<p:sld xmlns:a="http://schemas.openxmlformats.org/drawingml/2006/main" xmlns:r="http://schemas.openxmlformats.org/officeDocument/2006/relationships" xmlns:p="http://schemas.openxmlformats.org/presentationml/2006/main">
-  <p:cSld>
-    <p:spTree>
-      <p:nvGrpSpPr>
-        <p:cNvPr id="1" name=""/>
-        <p:cNvGrpSpPr/>
-        <p:nvPr/>
-      </p:nvGrpSpPr>
-      <p:grpSpPr>
-        <a:xfrm>
-          <a:off x="0" y="0"/>
-          <a:ext cx="0" cy="0"/>
-          <a:chOff x="0" y="0"/>
-          <a:chExt cx="0" cy="0"/>
-        </a:xfrm>
-      </p:grpSpPr>
-      <p:sp>
-        <p:nvSpPr>
-          <p:cNvPr id="2" name="Title 1"/>
-          <p:cNvSpPr>
-            <a:spLocks noGrp="1"/>
-          </p:cNvSpPr>
-          <p:nvPr>
-            <p:ph type="title"/>
-          </p:nvPr>
-        </p:nvSpPr>
-        <p:spPr/>
-        <p:txBody>
-          <a:bodyPr/>
-          <a:lstStyle/>
-          <a:p>
-            <a:r>
-              <a:rPr lang="en-US" dirty="0">
-                <a:latin typeface="Arial Black" charset="0"/>
-                <a:ea typeface="Arial Black" charset="0"/>
-                <a:cs typeface="Arial Black" charset="0"/>
-              </a:rPr>
-              <a:t>yfinance</a:t>
-            </a:r>
-          </a:p>
-        </p:txBody>
-      </p:sp>
-      <p:pic>
-        <p:nvPicPr>
-          <p:cNvPr id="3" name="Picture 2"/>
-          <p:cNvPicPr>
-            <a:picLocks noChangeAspect="1"/>
-          </p:cNvPicPr>
-          <p:nvPr/>
-        </p:nvPicPr>
-        <p:blipFill>
-          <a:blip r:embed="rId2">
-            <a:extLst>
-              <a:ext uri="{28A0092B-C50C-407E-A947-70E740481C1C}">
-                <a14:useLocalDpi xmlns:a14="http://schemas.microsoft.com/office/drawing/2010/main" val="0"/>
-              </a:ext>
-            </a:extLst>
-          </a:blip>
-          <a:stretch>
-            <a:fillRect/>
-          </a:stretch>
-        </p:blipFill>
-        <p:spPr>
-          <a:xfrm>
-            <a:off x="4973092" y="246987"/>
-            <a:ext cx="5384800" cy="6515100"/>
-          </a:xfrm>
-          <a:prstGeom prst="rect">
-            <a:avLst/>
-          </a:prstGeom>
-        </p:spPr>
-      </p:pic>
-    </p:spTree>
-    <p:extLst>
-      <p:ext uri="{BB962C8B-B14F-4D97-AF65-F5344CB8AC3E}">
-        <p14:creationId xmlns:p14="http://schemas.microsoft.com/office/powerpoint/2010/main" val="2021147639"/>
-      </p:ext>
-    </p:extLst>
-  </p:cSld>
-  <p:clrMapOvr>
-    <a:masterClrMapping/>
-  </p:clrMapOvr>
-</p:sld>
-</file>
-
-<file path=ppt/slides/slide7.xml><?xml version="1.0" encoding="utf-8"?>
+<file path=ppt/slides/slide8.xml><?xml version="1.0" encoding="utf-8"?>
 <p:sld xmlns:a="http://schemas.openxmlformats.org/drawingml/2006/main" xmlns:r="http://schemas.openxmlformats.org/officeDocument/2006/relationships" xmlns:p="http://schemas.openxmlformats.org/presentationml/2006/main">
   <p:cSld>
     <p:spTree>
@@ -4415,10 +4848,17 @@
   <p:clrMapOvr>
     <a:masterClrMapping/>
   </p:clrMapOvr>
+  <p:timing>
+    <p:tnLst>
+      <p:par>
+        <p:cTn id="1" dur="indefinite" restart="never" nodeType="tmRoot"/>
+      </p:par>
+    </p:tnLst>
+  </p:timing>
 </p:sld>
 </file>
 
-<file path=ppt/slides/slide8.xml><?xml version="1.0" encoding="utf-8"?>
+<file path=ppt/slides/slide9.xml><?xml version="1.0" encoding="utf-8"?>
 <p:sld xmlns:a="http://schemas.openxmlformats.org/drawingml/2006/main" xmlns:r="http://schemas.openxmlformats.org/officeDocument/2006/relationships" xmlns:p="http://schemas.openxmlformats.org/presentationml/2006/main">
   <p:cSld>
     <p:spTree>
@@ -4501,92 +4941,13 @@
   <p:clrMapOvr>
     <a:masterClrMapping/>
   </p:clrMapOvr>
-</p:sld>
-</file>
-
-<file path=ppt/slides/slide9.xml><?xml version="1.0" encoding="utf-8"?>
-<p:sld xmlns:a="http://schemas.openxmlformats.org/drawingml/2006/main" xmlns:r="http://schemas.openxmlformats.org/officeDocument/2006/relationships" xmlns:p="http://schemas.openxmlformats.org/presentationml/2006/main">
-  <p:cSld>
-    <p:spTree>
-      <p:nvGrpSpPr>
-        <p:cNvPr id="1" name=""/>
-        <p:cNvGrpSpPr/>
-        <p:nvPr/>
-      </p:nvGrpSpPr>
-      <p:grpSpPr>
-        <a:xfrm>
-          <a:off x="0" y="0"/>
-          <a:ext cx="0" cy="0"/>
-          <a:chOff x="0" y="0"/>
-          <a:chExt cx="0" cy="0"/>
-        </a:xfrm>
-      </p:grpSpPr>
-      <p:sp>
-        <p:nvSpPr>
-          <p:cNvPr id="2" name="Title 1"/>
-          <p:cNvSpPr>
-            <a:spLocks noGrp="1"/>
-          </p:cNvSpPr>
-          <p:nvPr>
-            <p:ph type="title"/>
-          </p:nvPr>
-        </p:nvSpPr>
-        <p:spPr/>
-        <p:txBody>
-          <a:bodyPr/>
-          <a:lstStyle/>
-          <a:p>
-            <a:r>
-              <a:rPr lang="en-US" dirty="0">
-                <a:latin typeface="Arial Black" charset="0"/>
-                <a:ea typeface="Arial Black" charset="0"/>
-                <a:cs typeface="Arial Black" charset="0"/>
-              </a:rPr>
-              <a:t>yfinance</a:t>
-            </a:r>
-          </a:p>
-        </p:txBody>
-      </p:sp>
-      <p:pic>
-        <p:nvPicPr>
-          <p:cNvPr id="3" name="Picture 2"/>
-          <p:cNvPicPr>
-            <a:picLocks noChangeAspect="1"/>
-          </p:cNvPicPr>
-          <p:nvPr/>
-        </p:nvPicPr>
-        <p:blipFill>
-          <a:blip r:embed="rId2">
-            <a:extLst>
-              <a:ext uri="{28A0092B-C50C-407E-A947-70E740481C1C}">
-                <a14:useLocalDpi xmlns:a14="http://schemas.microsoft.com/office/drawing/2010/main" val="0"/>
-              </a:ext>
-            </a:extLst>
-          </a:blip>
-          <a:stretch>
-            <a:fillRect/>
-          </a:stretch>
-        </p:blipFill>
-        <p:spPr>
-          <a:xfrm>
-            <a:off x="2435711" y="1351127"/>
-            <a:ext cx="7320577" cy="5315803"/>
-          </a:xfrm>
-          <a:prstGeom prst="rect">
-            <a:avLst/>
-          </a:prstGeom>
-        </p:spPr>
-      </p:pic>
-    </p:spTree>
-    <p:extLst>
-      <p:ext uri="{BB962C8B-B14F-4D97-AF65-F5344CB8AC3E}">
-        <p14:creationId xmlns:p14="http://schemas.microsoft.com/office/powerpoint/2010/main" val="790211690"/>
-      </p:ext>
-    </p:extLst>
-  </p:cSld>
-  <p:clrMapOvr>
-    <a:masterClrMapping/>
-  </p:clrMapOvr>
+  <p:timing>
+    <p:tnLst>
+      <p:par>
+        <p:cTn id="1" dur="indefinite" restart="never" nodeType="tmRoot"/>
+      </p:par>
+    </p:tnLst>
+  </p:timing>
 </p:sld>
 </file>
 

--- a/야후 파이낸스 데이타 획득하기.pptx
+++ b/야후 파이낸스 데이타 획득하기.pptx
@@ -207,7 +207,7 @@
           <a:p>
             <a:fld id="{BC68DF13-A761-894B-AC52-7E89F9E6C733}" type="datetimeFigureOut">
               <a:rPr lang="en-US" smtClean="0"/>
-              <a:t>12/1/19</a:t>
+              <a:t>12/5/19</a:t>
             </a:fld>
             <a:endParaRPr lang="en-US"/>
           </a:p>
@@ -774,7 +774,7 @@
           <a:p>
             <a:fld id="{5B3AD1D6-AE87-C841-B3FD-7C9F7FCAE5AE}" type="datetimeFigureOut">
               <a:rPr lang="en-US" smtClean="0"/>
-              <a:t>12/1/19</a:t>
+              <a:t>12/5/19</a:t>
             </a:fld>
             <a:endParaRPr lang="en-US"/>
           </a:p>
@@ -944,7 +944,7 @@
           <a:p>
             <a:fld id="{5B3AD1D6-AE87-C841-B3FD-7C9F7FCAE5AE}" type="datetimeFigureOut">
               <a:rPr lang="en-US" smtClean="0"/>
-              <a:t>12/1/19</a:t>
+              <a:t>12/5/19</a:t>
             </a:fld>
             <a:endParaRPr lang="en-US"/>
           </a:p>
@@ -1124,7 +1124,7 @@
           <a:p>
             <a:fld id="{5B3AD1D6-AE87-C841-B3FD-7C9F7FCAE5AE}" type="datetimeFigureOut">
               <a:rPr lang="en-US" smtClean="0"/>
-              <a:t>12/1/19</a:t>
+              <a:t>12/5/19</a:t>
             </a:fld>
             <a:endParaRPr lang="en-US"/>
           </a:p>
@@ -1294,7 +1294,7 @@
           <a:p>
             <a:fld id="{5B3AD1D6-AE87-C841-B3FD-7C9F7FCAE5AE}" type="datetimeFigureOut">
               <a:rPr lang="en-US" smtClean="0"/>
-              <a:t>12/1/19</a:t>
+              <a:t>12/5/19</a:t>
             </a:fld>
             <a:endParaRPr lang="en-US"/>
           </a:p>
@@ -1540,7 +1540,7 @@
           <a:p>
             <a:fld id="{5B3AD1D6-AE87-C841-B3FD-7C9F7FCAE5AE}" type="datetimeFigureOut">
               <a:rPr lang="en-US" smtClean="0"/>
-              <a:t>12/1/19</a:t>
+              <a:t>12/5/19</a:t>
             </a:fld>
             <a:endParaRPr lang="en-US"/>
           </a:p>
@@ -1772,7 +1772,7 @@
           <a:p>
             <a:fld id="{5B3AD1D6-AE87-C841-B3FD-7C9F7FCAE5AE}" type="datetimeFigureOut">
               <a:rPr lang="en-US" smtClean="0"/>
-              <a:t>12/1/19</a:t>
+              <a:t>12/5/19</a:t>
             </a:fld>
             <a:endParaRPr lang="en-US"/>
           </a:p>
@@ -2139,7 +2139,7 @@
           <a:p>
             <a:fld id="{5B3AD1D6-AE87-C841-B3FD-7C9F7FCAE5AE}" type="datetimeFigureOut">
               <a:rPr lang="en-US" smtClean="0"/>
-              <a:t>12/1/19</a:t>
+              <a:t>12/5/19</a:t>
             </a:fld>
             <a:endParaRPr lang="en-US"/>
           </a:p>
@@ -2257,7 +2257,7 @@
           <a:p>
             <a:fld id="{5B3AD1D6-AE87-C841-B3FD-7C9F7FCAE5AE}" type="datetimeFigureOut">
               <a:rPr lang="en-US" smtClean="0"/>
-              <a:t>12/1/19</a:t>
+              <a:t>12/5/19</a:t>
             </a:fld>
             <a:endParaRPr lang="en-US"/>
           </a:p>
@@ -2352,7 +2352,7 @@
           <a:p>
             <a:fld id="{5B3AD1D6-AE87-C841-B3FD-7C9F7FCAE5AE}" type="datetimeFigureOut">
               <a:rPr lang="en-US" smtClean="0"/>
-              <a:t>12/1/19</a:t>
+              <a:t>12/5/19</a:t>
             </a:fld>
             <a:endParaRPr lang="en-US"/>
           </a:p>
@@ -2629,7 +2629,7 @@
           <a:p>
             <a:fld id="{5B3AD1D6-AE87-C841-B3FD-7C9F7FCAE5AE}" type="datetimeFigureOut">
               <a:rPr lang="en-US" smtClean="0"/>
-              <a:t>12/1/19</a:t>
+              <a:t>12/5/19</a:t>
             </a:fld>
             <a:endParaRPr lang="en-US"/>
           </a:p>
@@ -2882,7 +2882,7 @@
           <a:p>
             <a:fld id="{5B3AD1D6-AE87-C841-B3FD-7C9F7FCAE5AE}" type="datetimeFigureOut">
               <a:rPr lang="en-US" smtClean="0"/>
-              <a:t>12/1/19</a:t>
+              <a:t>12/5/19</a:t>
             </a:fld>
             <a:endParaRPr lang="en-US"/>
           </a:p>
@@ -3095,7 +3095,7 @@
           <a:p>
             <a:fld id="{5B3AD1D6-AE87-C841-B3FD-7C9F7FCAE5AE}" type="datetimeFigureOut">
               <a:rPr lang="en-US" smtClean="0"/>
-              <a:t>12/1/19</a:t>
+              <a:t>12/5/19</a:t>
             </a:fld>
             <a:endParaRPr lang="en-US"/>
           </a:p>
@@ -4155,7 +4155,7 @@
           </a:p>
           <a:p>
             <a:r>
-              <a:rPr lang="en-US" sz="2000">
+              <a:rPr lang="en-US" sz="2000" dirty="0">
                 <a:latin typeface="Arial Black" charset="0"/>
                 <a:ea typeface="Arial Black" charset="0"/>
                 <a:cs typeface="Arial Black" charset="0"/>
@@ -4163,7 +4163,7 @@
               </a:rPr>
               <a:t>Code</a:t>
             </a:r>
-            <a:endParaRPr lang="en-US" sz="2000">
+            <a:endParaRPr lang="en-US" sz="2000" dirty="0">
               <a:latin typeface="Arial Black" charset="0"/>
               <a:ea typeface="Arial Black" charset="0"/>
               <a:cs typeface="Arial Black" charset="0"/>
